--- a/ppt 16-9/0960.现在正是作工的.pptx
+++ b/ppt 16-9/0960.现在正是作工的.pptx
@@ -129,7 +129,7 @@
           <p:cNvPr id="2" name="标题 1">
             <a:extLst>
               <a:ext uri="{FF2B5EF4-FFF2-40B4-BE49-F238E27FC236}">
-                <a16:creationId xmlns:a16="http://schemas.microsoft.com/office/drawing/2014/main" id="{FD3310A2-E825-6230-68DB-C5A02150E8C9}"/>
+                <a16:creationId xmlns:a16="http://schemas.microsoft.com/office/drawing/2014/main" id="{06E145B2-7E44-EFDB-E8B8-47C82F6E50EF}"/>
               </a:ext>
             </a:extLst>
           </p:cNvPr>
@@ -166,7 +166,7 @@
           <p:cNvPr id="3" name="副标题 2">
             <a:extLst>
               <a:ext uri="{FF2B5EF4-FFF2-40B4-BE49-F238E27FC236}">
-                <a16:creationId xmlns:a16="http://schemas.microsoft.com/office/drawing/2014/main" id="{AE86B197-C8ED-80EB-C3C7-571A06DF0F0F}"/>
+                <a16:creationId xmlns:a16="http://schemas.microsoft.com/office/drawing/2014/main" id="{7AE2DAEE-7199-75B8-1D98-305EEAE66F6B}"/>
               </a:ext>
             </a:extLst>
           </p:cNvPr>
@@ -236,7 +236,7 @@
           <p:cNvPr id="4" name="日期占位符 3">
             <a:extLst>
               <a:ext uri="{FF2B5EF4-FFF2-40B4-BE49-F238E27FC236}">
-                <a16:creationId xmlns:a16="http://schemas.microsoft.com/office/drawing/2014/main" id="{A7F22428-E859-E79A-50A4-53C5CE2FD4E5}"/>
+                <a16:creationId xmlns:a16="http://schemas.microsoft.com/office/drawing/2014/main" id="{9A880025-C665-C424-DF0D-44C882362230}"/>
               </a:ext>
             </a:extLst>
           </p:cNvPr>
@@ -252,7 +252,7 @@
           <a:bodyPr/>
           <a:lstStyle/>
           <a:p>
-            <a:fld id="{CC35AFC4-EB0E-4382-8CDA-4E5555C653CB}" type="datetimeFigureOut">
+            <a:fld id="{507D520B-26EC-4A84-9294-D6755F4322BC}" type="datetimeFigureOut">
               <a:rPr lang="zh-CN" altLang="en-US" smtClean="0"/>
               <a:t>2024/3/10</a:t>
             </a:fld>
@@ -265,7 +265,7 @@
           <p:cNvPr id="5" name="页脚占位符 4">
             <a:extLst>
               <a:ext uri="{FF2B5EF4-FFF2-40B4-BE49-F238E27FC236}">
-                <a16:creationId xmlns:a16="http://schemas.microsoft.com/office/drawing/2014/main" id="{20C8F688-B5FE-0BEB-93A0-024F382CB674}"/>
+                <a16:creationId xmlns:a16="http://schemas.microsoft.com/office/drawing/2014/main" id="{F03C2F2F-E91C-3899-AFFD-6BE002E526EA}"/>
               </a:ext>
             </a:extLst>
           </p:cNvPr>
@@ -290,7 +290,7 @@
           <p:cNvPr id="6" name="灯片编号占位符 5">
             <a:extLst>
               <a:ext uri="{FF2B5EF4-FFF2-40B4-BE49-F238E27FC236}">
-                <a16:creationId xmlns:a16="http://schemas.microsoft.com/office/drawing/2014/main" id="{2E1002DE-2297-C2D6-21E2-6CFF10E2E0D3}"/>
+                <a16:creationId xmlns:a16="http://schemas.microsoft.com/office/drawing/2014/main" id="{73A9EAC3-493A-E853-2A63-D1F5323E9E01}"/>
               </a:ext>
             </a:extLst>
           </p:cNvPr>
@@ -306,7 +306,7 @@
           <a:bodyPr/>
           <a:lstStyle/>
           <a:p>
-            <a:fld id="{89E12C48-1FEB-4A66-91EC-1A0A64F90D12}" type="slidenum">
+            <a:fld id="{5721EF4E-64CD-4D2B-97D2-0647ECE06FA6}" type="slidenum">
               <a:rPr lang="zh-CN" altLang="en-US" smtClean="0"/>
               <a:t>‹#›</a:t>
             </a:fld>
@@ -317,7 +317,7 @@
     </p:spTree>
     <p:extLst>
       <p:ext uri="{BB962C8B-B14F-4D97-AF65-F5344CB8AC3E}">
-        <p14:creationId xmlns:p14="http://schemas.microsoft.com/office/powerpoint/2010/main" val="136737571"/>
+        <p14:creationId xmlns:p14="http://schemas.microsoft.com/office/powerpoint/2010/main" val="1007832176"/>
       </p:ext>
     </p:extLst>
   </p:cSld>
@@ -349,7 +349,7 @@
           <p:cNvPr id="2" name="标题 1">
             <a:extLst>
               <a:ext uri="{FF2B5EF4-FFF2-40B4-BE49-F238E27FC236}">
-                <a16:creationId xmlns:a16="http://schemas.microsoft.com/office/drawing/2014/main" id="{23B1E645-8713-8E5F-7C8C-1F36EACBAE98}"/>
+                <a16:creationId xmlns:a16="http://schemas.microsoft.com/office/drawing/2014/main" id="{4DD0C91C-713F-CCA8-AE1D-494EEBD842FA}"/>
               </a:ext>
             </a:extLst>
           </p:cNvPr>
@@ -377,7 +377,7 @@
           <p:cNvPr id="3" name="竖排文字占位符 2">
             <a:extLst>
               <a:ext uri="{FF2B5EF4-FFF2-40B4-BE49-F238E27FC236}">
-                <a16:creationId xmlns:a16="http://schemas.microsoft.com/office/drawing/2014/main" id="{60BFC94A-3E62-A432-1D10-F812E8F0A243}"/>
+                <a16:creationId xmlns:a16="http://schemas.microsoft.com/office/drawing/2014/main" id="{1D1B9A5D-B7A7-0B6A-A207-12804A5CB58A}"/>
               </a:ext>
             </a:extLst>
           </p:cNvPr>
@@ -434,7 +434,7 @@
           <p:cNvPr id="4" name="日期占位符 3">
             <a:extLst>
               <a:ext uri="{FF2B5EF4-FFF2-40B4-BE49-F238E27FC236}">
-                <a16:creationId xmlns:a16="http://schemas.microsoft.com/office/drawing/2014/main" id="{262E1FF5-1CC6-4B68-B655-F0CE67A139FD}"/>
+                <a16:creationId xmlns:a16="http://schemas.microsoft.com/office/drawing/2014/main" id="{CB898E05-1FCE-B2AA-6A2E-5D9937561D7C}"/>
               </a:ext>
             </a:extLst>
           </p:cNvPr>
@@ -450,7 +450,7 @@
           <a:bodyPr/>
           <a:lstStyle/>
           <a:p>
-            <a:fld id="{CC35AFC4-EB0E-4382-8CDA-4E5555C653CB}" type="datetimeFigureOut">
+            <a:fld id="{507D520B-26EC-4A84-9294-D6755F4322BC}" type="datetimeFigureOut">
               <a:rPr lang="zh-CN" altLang="en-US" smtClean="0"/>
               <a:t>2024/3/10</a:t>
             </a:fld>
@@ -463,7 +463,7 @@
           <p:cNvPr id="5" name="页脚占位符 4">
             <a:extLst>
               <a:ext uri="{FF2B5EF4-FFF2-40B4-BE49-F238E27FC236}">
-                <a16:creationId xmlns:a16="http://schemas.microsoft.com/office/drawing/2014/main" id="{CC1A43DA-D7F2-AC6B-5213-D3132E7F6F4B}"/>
+                <a16:creationId xmlns:a16="http://schemas.microsoft.com/office/drawing/2014/main" id="{85D2AD10-933D-6CD4-5D11-512AB2CE4C8B}"/>
               </a:ext>
             </a:extLst>
           </p:cNvPr>
@@ -488,7 +488,7 @@
           <p:cNvPr id="6" name="灯片编号占位符 5">
             <a:extLst>
               <a:ext uri="{FF2B5EF4-FFF2-40B4-BE49-F238E27FC236}">
-                <a16:creationId xmlns:a16="http://schemas.microsoft.com/office/drawing/2014/main" id="{1070319F-35DC-E5AD-FEAF-3F7B018ED188}"/>
+                <a16:creationId xmlns:a16="http://schemas.microsoft.com/office/drawing/2014/main" id="{F7AFD45B-E6A1-E5DD-2513-252A97AC16C9}"/>
               </a:ext>
             </a:extLst>
           </p:cNvPr>
@@ -504,7 +504,7 @@
           <a:bodyPr/>
           <a:lstStyle/>
           <a:p>
-            <a:fld id="{89E12C48-1FEB-4A66-91EC-1A0A64F90D12}" type="slidenum">
+            <a:fld id="{5721EF4E-64CD-4D2B-97D2-0647ECE06FA6}" type="slidenum">
               <a:rPr lang="zh-CN" altLang="en-US" smtClean="0"/>
               <a:t>‹#›</a:t>
             </a:fld>
@@ -515,7 +515,7 @@
     </p:spTree>
     <p:extLst>
       <p:ext uri="{BB962C8B-B14F-4D97-AF65-F5344CB8AC3E}">
-        <p14:creationId xmlns:p14="http://schemas.microsoft.com/office/powerpoint/2010/main" val="2061657306"/>
+        <p14:creationId xmlns:p14="http://schemas.microsoft.com/office/powerpoint/2010/main" val="218831830"/>
       </p:ext>
     </p:extLst>
   </p:cSld>
@@ -547,7 +547,7 @@
           <p:cNvPr id="2" name="竖排标题 1">
             <a:extLst>
               <a:ext uri="{FF2B5EF4-FFF2-40B4-BE49-F238E27FC236}">
-                <a16:creationId xmlns:a16="http://schemas.microsoft.com/office/drawing/2014/main" id="{CA816FA6-451D-18ED-C664-5D7A2FE81826}"/>
+                <a16:creationId xmlns:a16="http://schemas.microsoft.com/office/drawing/2014/main" id="{D6F95F2C-11B1-D20C-E819-9D623B0D51BA}"/>
               </a:ext>
             </a:extLst>
           </p:cNvPr>
@@ -580,7 +580,7 @@
           <p:cNvPr id="3" name="竖排文字占位符 2">
             <a:extLst>
               <a:ext uri="{FF2B5EF4-FFF2-40B4-BE49-F238E27FC236}">
-                <a16:creationId xmlns:a16="http://schemas.microsoft.com/office/drawing/2014/main" id="{EED0ABD4-C08B-2BAB-EBA4-1C628900025F}"/>
+                <a16:creationId xmlns:a16="http://schemas.microsoft.com/office/drawing/2014/main" id="{9AF4D320-33B9-CE30-7568-D4FF4D462DB9}"/>
               </a:ext>
             </a:extLst>
           </p:cNvPr>
@@ -642,7 +642,7 @@
           <p:cNvPr id="4" name="日期占位符 3">
             <a:extLst>
               <a:ext uri="{FF2B5EF4-FFF2-40B4-BE49-F238E27FC236}">
-                <a16:creationId xmlns:a16="http://schemas.microsoft.com/office/drawing/2014/main" id="{0A25BBC1-73CB-FE42-13CA-C1FA58DF2893}"/>
+                <a16:creationId xmlns:a16="http://schemas.microsoft.com/office/drawing/2014/main" id="{E19FE315-D2C3-DE25-8F47-724A7E9C21E8}"/>
               </a:ext>
             </a:extLst>
           </p:cNvPr>
@@ -658,7 +658,7 @@
           <a:bodyPr/>
           <a:lstStyle/>
           <a:p>
-            <a:fld id="{CC35AFC4-EB0E-4382-8CDA-4E5555C653CB}" type="datetimeFigureOut">
+            <a:fld id="{507D520B-26EC-4A84-9294-D6755F4322BC}" type="datetimeFigureOut">
               <a:rPr lang="zh-CN" altLang="en-US" smtClean="0"/>
               <a:t>2024/3/10</a:t>
             </a:fld>
@@ -671,7 +671,7 @@
           <p:cNvPr id="5" name="页脚占位符 4">
             <a:extLst>
               <a:ext uri="{FF2B5EF4-FFF2-40B4-BE49-F238E27FC236}">
-                <a16:creationId xmlns:a16="http://schemas.microsoft.com/office/drawing/2014/main" id="{D4BAEFF1-CD0B-07DE-AEFA-DE436DBC14B4}"/>
+                <a16:creationId xmlns:a16="http://schemas.microsoft.com/office/drawing/2014/main" id="{D2163F4B-99A9-EBA5-71C6-0B5A62304477}"/>
               </a:ext>
             </a:extLst>
           </p:cNvPr>
@@ -696,7 +696,7 @@
           <p:cNvPr id="6" name="灯片编号占位符 5">
             <a:extLst>
               <a:ext uri="{FF2B5EF4-FFF2-40B4-BE49-F238E27FC236}">
-                <a16:creationId xmlns:a16="http://schemas.microsoft.com/office/drawing/2014/main" id="{945006CB-3475-061E-2914-FA8C49A76094}"/>
+                <a16:creationId xmlns:a16="http://schemas.microsoft.com/office/drawing/2014/main" id="{E85839DF-30E5-6254-75C3-C17CADC3818F}"/>
               </a:ext>
             </a:extLst>
           </p:cNvPr>
@@ -712,7 +712,7 @@
           <a:bodyPr/>
           <a:lstStyle/>
           <a:p>
-            <a:fld id="{89E12C48-1FEB-4A66-91EC-1A0A64F90D12}" type="slidenum">
+            <a:fld id="{5721EF4E-64CD-4D2B-97D2-0647ECE06FA6}" type="slidenum">
               <a:rPr lang="zh-CN" altLang="en-US" smtClean="0"/>
               <a:t>‹#›</a:t>
             </a:fld>
@@ -723,7 +723,7 @@
     </p:spTree>
     <p:extLst>
       <p:ext uri="{BB962C8B-B14F-4D97-AF65-F5344CB8AC3E}">
-        <p14:creationId xmlns:p14="http://schemas.microsoft.com/office/powerpoint/2010/main" val="1853702067"/>
+        <p14:creationId xmlns:p14="http://schemas.microsoft.com/office/powerpoint/2010/main" val="4010255125"/>
       </p:ext>
     </p:extLst>
   </p:cSld>
@@ -755,7 +755,7 @@
           <p:cNvPr id="2" name="标题 1">
             <a:extLst>
               <a:ext uri="{FF2B5EF4-FFF2-40B4-BE49-F238E27FC236}">
-                <a16:creationId xmlns:a16="http://schemas.microsoft.com/office/drawing/2014/main" id="{9078A0A5-BA93-8F4E-4234-33DDD6154BF8}"/>
+                <a16:creationId xmlns:a16="http://schemas.microsoft.com/office/drawing/2014/main" id="{8D4E71E9-2063-8A2E-1FA9-2F6C1858E15B}"/>
               </a:ext>
             </a:extLst>
           </p:cNvPr>
@@ -783,7 +783,7 @@
           <p:cNvPr id="3" name="内容占位符 2">
             <a:extLst>
               <a:ext uri="{FF2B5EF4-FFF2-40B4-BE49-F238E27FC236}">
-                <a16:creationId xmlns:a16="http://schemas.microsoft.com/office/drawing/2014/main" id="{68ADEE8D-9145-D6FF-97D4-24CECBAB5B35}"/>
+                <a16:creationId xmlns:a16="http://schemas.microsoft.com/office/drawing/2014/main" id="{883ABEC8-225B-7696-BF9D-909F697D3321}"/>
               </a:ext>
             </a:extLst>
           </p:cNvPr>
@@ -840,7 +840,7 @@
           <p:cNvPr id="4" name="日期占位符 3">
             <a:extLst>
               <a:ext uri="{FF2B5EF4-FFF2-40B4-BE49-F238E27FC236}">
-                <a16:creationId xmlns:a16="http://schemas.microsoft.com/office/drawing/2014/main" id="{7591D45E-3D71-AB04-359B-1FBE56CBEF3A}"/>
+                <a16:creationId xmlns:a16="http://schemas.microsoft.com/office/drawing/2014/main" id="{F762147B-7CF0-F0CA-AE4B-B8F686FDFB0B}"/>
               </a:ext>
             </a:extLst>
           </p:cNvPr>
@@ -856,7 +856,7 @@
           <a:bodyPr/>
           <a:lstStyle/>
           <a:p>
-            <a:fld id="{CC35AFC4-EB0E-4382-8CDA-4E5555C653CB}" type="datetimeFigureOut">
+            <a:fld id="{507D520B-26EC-4A84-9294-D6755F4322BC}" type="datetimeFigureOut">
               <a:rPr lang="zh-CN" altLang="en-US" smtClean="0"/>
               <a:t>2024/3/10</a:t>
             </a:fld>
@@ -869,7 +869,7 @@
           <p:cNvPr id="5" name="页脚占位符 4">
             <a:extLst>
               <a:ext uri="{FF2B5EF4-FFF2-40B4-BE49-F238E27FC236}">
-                <a16:creationId xmlns:a16="http://schemas.microsoft.com/office/drawing/2014/main" id="{EA8F95D9-C888-B873-D883-08625A0FCF9D}"/>
+                <a16:creationId xmlns:a16="http://schemas.microsoft.com/office/drawing/2014/main" id="{640399D9-FB78-4040-FADA-142208C88BE1}"/>
               </a:ext>
             </a:extLst>
           </p:cNvPr>
@@ -894,7 +894,7 @@
           <p:cNvPr id="6" name="灯片编号占位符 5">
             <a:extLst>
               <a:ext uri="{FF2B5EF4-FFF2-40B4-BE49-F238E27FC236}">
-                <a16:creationId xmlns:a16="http://schemas.microsoft.com/office/drawing/2014/main" id="{719BDA20-C9A0-56CF-7B8E-64244886424F}"/>
+                <a16:creationId xmlns:a16="http://schemas.microsoft.com/office/drawing/2014/main" id="{41713FF5-19F8-B48C-C5BA-DA1F247C5DBB}"/>
               </a:ext>
             </a:extLst>
           </p:cNvPr>
@@ -910,7 +910,7 @@
           <a:bodyPr/>
           <a:lstStyle/>
           <a:p>
-            <a:fld id="{89E12C48-1FEB-4A66-91EC-1A0A64F90D12}" type="slidenum">
+            <a:fld id="{5721EF4E-64CD-4D2B-97D2-0647ECE06FA6}" type="slidenum">
               <a:rPr lang="zh-CN" altLang="en-US" smtClean="0"/>
               <a:t>‹#›</a:t>
             </a:fld>
@@ -921,7 +921,7 @@
     </p:spTree>
     <p:extLst>
       <p:ext uri="{BB962C8B-B14F-4D97-AF65-F5344CB8AC3E}">
-        <p14:creationId xmlns:p14="http://schemas.microsoft.com/office/powerpoint/2010/main" val="1718905078"/>
+        <p14:creationId xmlns:p14="http://schemas.microsoft.com/office/powerpoint/2010/main" val="1207566451"/>
       </p:ext>
     </p:extLst>
   </p:cSld>
@@ -953,7 +953,7 @@
           <p:cNvPr id="2" name="标题 1">
             <a:extLst>
               <a:ext uri="{FF2B5EF4-FFF2-40B4-BE49-F238E27FC236}">
-                <a16:creationId xmlns:a16="http://schemas.microsoft.com/office/drawing/2014/main" id="{F2006C1D-5FC1-9358-6DC9-BAC3337FBC4D}"/>
+                <a16:creationId xmlns:a16="http://schemas.microsoft.com/office/drawing/2014/main" id="{240F5751-4222-1901-F43C-AB7493F1F06E}"/>
               </a:ext>
             </a:extLst>
           </p:cNvPr>
@@ -990,7 +990,7 @@
           <p:cNvPr id="3" name="文本占位符 2">
             <a:extLst>
               <a:ext uri="{FF2B5EF4-FFF2-40B4-BE49-F238E27FC236}">
-                <a16:creationId xmlns:a16="http://schemas.microsoft.com/office/drawing/2014/main" id="{8CBEEC26-B44F-B3C0-9699-813236E7D02A}"/>
+                <a16:creationId xmlns:a16="http://schemas.microsoft.com/office/drawing/2014/main" id="{149E5DC6-E7D3-EE5D-A364-AC887B56715E}"/>
               </a:ext>
             </a:extLst>
           </p:cNvPr>
@@ -1115,7 +1115,7 @@
           <p:cNvPr id="4" name="日期占位符 3">
             <a:extLst>
               <a:ext uri="{FF2B5EF4-FFF2-40B4-BE49-F238E27FC236}">
-                <a16:creationId xmlns:a16="http://schemas.microsoft.com/office/drawing/2014/main" id="{4056D726-FD37-8771-D16C-216ED865A879}"/>
+                <a16:creationId xmlns:a16="http://schemas.microsoft.com/office/drawing/2014/main" id="{53BE7BB6-00DE-31A0-92C5-20E9B03B34E8}"/>
               </a:ext>
             </a:extLst>
           </p:cNvPr>
@@ -1131,7 +1131,7 @@
           <a:bodyPr/>
           <a:lstStyle/>
           <a:p>
-            <a:fld id="{CC35AFC4-EB0E-4382-8CDA-4E5555C653CB}" type="datetimeFigureOut">
+            <a:fld id="{507D520B-26EC-4A84-9294-D6755F4322BC}" type="datetimeFigureOut">
               <a:rPr lang="zh-CN" altLang="en-US" smtClean="0"/>
               <a:t>2024/3/10</a:t>
             </a:fld>
@@ -1144,7 +1144,7 @@
           <p:cNvPr id="5" name="页脚占位符 4">
             <a:extLst>
               <a:ext uri="{FF2B5EF4-FFF2-40B4-BE49-F238E27FC236}">
-                <a16:creationId xmlns:a16="http://schemas.microsoft.com/office/drawing/2014/main" id="{5A8E241F-1C03-2849-C71A-BCAEE60B0649}"/>
+                <a16:creationId xmlns:a16="http://schemas.microsoft.com/office/drawing/2014/main" id="{70942466-381E-651C-1A01-C3E058986366}"/>
               </a:ext>
             </a:extLst>
           </p:cNvPr>
@@ -1169,7 +1169,7 @@
           <p:cNvPr id="6" name="灯片编号占位符 5">
             <a:extLst>
               <a:ext uri="{FF2B5EF4-FFF2-40B4-BE49-F238E27FC236}">
-                <a16:creationId xmlns:a16="http://schemas.microsoft.com/office/drawing/2014/main" id="{3A8C5F1C-8EA9-8CE0-2DED-96094745BAFE}"/>
+                <a16:creationId xmlns:a16="http://schemas.microsoft.com/office/drawing/2014/main" id="{DACE101C-7643-1042-2021-0ED4C65EC6C1}"/>
               </a:ext>
             </a:extLst>
           </p:cNvPr>
@@ -1185,7 +1185,7 @@
           <a:bodyPr/>
           <a:lstStyle/>
           <a:p>
-            <a:fld id="{89E12C48-1FEB-4A66-91EC-1A0A64F90D12}" type="slidenum">
+            <a:fld id="{5721EF4E-64CD-4D2B-97D2-0647ECE06FA6}" type="slidenum">
               <a:rPr lang="zh-CN" altLang="en-US" smtClean="0"/>
               <a:t>‹#›</a:t>
             </a:fld>
@@ -1196,7 +1196,7 @@
     </p:spTree>
     <p:extLst>
       <p:ext uri="{BB962C8B-B14F-4D97-AF65-F5344CB8AC3E}">
-        <p14:creationId xmlns:p14="http://schemas.microsoft.com/office/powerpoint/2010/main" val="834967031"/>
+        <p14:creationId xmlns:p14="http://schemas.microsoft.com/office/powerpoint/2010/main" val="3036837645"/>
       </p:ext>
     </p:extLst>
   </p:cSld>
@@ -1228,7 +1228,7 @@
           <p:cNvPr id="2" name="标题 1">
             <a:extLst>
               <a:ext uri="{FF2B5EF4-FFF2-40B4-BE49-F238E27FC236}">
-                <a16:creationId xmlns:a16="http://schemas.microsoft.com/office/drawing/2014/main" id="{4CEAFE2F-CD98-D6AD-F3E6-69B630655A39}"/>
+                <a16:creationId xmlns:a16="http://schemas.microsoft.com/office/drawing/2014/main" id="{94714937-4B9E-F4D6-BA7C-22865DBAE9C8}"/>
               </a:ext>
             </a:extLst>
           </p:cNvPr>
@@ -1256,7 +1256,7 @@
           <p:cNvPr id="3" name="内容占位符 2">
             <a:extLst>
               <a:ext uri="{FF2B5EF4-FFF2-40B4-BE49-F238E27FC236}">
-                <a16:creationId xmlns:a16="http://schemas.microsoft.com/office/drawing/2014/main" id="{1BD125EB-AFF1-5122-A9AC-9CB1ECD80CF8}"/>
+                <a16:creationId xmlns:a16="http://schemas.microsoft.com/office/drawing/2014/main" id="{AAC060F8-471F-D931-2FAC-C37C209885F8}"/>
               </a:ext>
             </a:extLst>
           </p:cNvPr>
@@ -1318,7 +1318,7 @@
           <p:cNvPr id="4" name="内容占位符 3">
             <a:extLst>
               <a:ext uri="{FF2B5EF4-FFF2-40B4-BE49-F238E27FC236}">
-                <a16:creationId xmlns:a16="http://schemas.microsoft.com/office/drawing/2014/main" id="{2BC03158-4B05-51B4-4029-3BD2D2BD51B7}"/>
+                <a16:creationId xmlns:a16="http://schemas.microsoft.com/office/drawing/2014/main" id="{628C510F-DB72-107B-ABF5-A83E55380237}"/>
               </a:ext>
             </a:extLst>
           </p:cNvPr>
@@ -1380,7 +1380,7 @@
           <p:cNvPr id="5" name="日期占位符 4">
             <a:extLst>
               <a:ext uri="{FF2B5EF4-FFF2-40B4-BE49-F238E27FC236}">
-                <a16:creationId xmlns:a16="http://schemas.microsoft.com/office/drawing/2014/main" id="{7FE0A88C-4E6B-E231-6DC5-FE24BA39E725}"/>
+                <a16:creationId xmlns:a16="http://schemas.microsoft.com/office/drawing/2014/main" id="{306A521C-8198-1AE6-A628-C5BBD9D738F9}"/>
               </a:ext>
             </a:extLst>
           </p:cNvPr>
@@ -1396,7 +1396,7 @@
           <a:bodyPr/>
           <a:lstStyle/>
           <a:p>
-            <a:fld id="{CC35AFC4-EB0E-4382-8CDA-4E5555C653CB}" type="datetimeFigureOut">
+            <a:fld id="{507D520B-26EC-4A84-9294-D6755F4322BC}" type="datetimeFigureOut">
               <a:rPr lang="zh-CN" altLang="en-US" smtClean="0"/>
               <a:t>2024/3/10</a:t>
             </a:fld>
@@ -1409,7 +1409,7 @@
           <p:cNvPr id="6" name="页脚占位符 5">
             <a:extLst>
               <a:ext uri="{FF2B5EF4-FFF2-40B4-BE49-F238E27FC236}">
-                <a16:creationId xmlns:a16="http://schemas.microsoft.com/office/drawing/2014/main" id="{473F6007-6DE1-E696-E286-611095CEC4E2}"/>
+                <a16:creationId xmlns:a16="http://schemas.microsoft.com/office/drawing/2014/main" id="{C3DF0C1D-3A51-2084-6C65-E68F973DD98C}"/>
               </a:ext>
             </a:extLst>
           </p:cNvPr>
@@ -1434,7 +1434,7 @@
           <p:cNvPr id="7" name="灯片编号占位符 6">
             <a:extLst>
               <a:ext uri="{FF2B5EF4-FFF2-40B4-BE49-F238E27FC236}">
-                <a16:creationId xmlns:a16="http://schemas.microsoft.com/office/drawing/2014/main" id="{7B10A1BC-02ED-C542-E11A-2B5F5F778E37}"/>
+                <a16:creationId xmlns:a16="http://schemas.microsoft.com/office/drawing/2014/main" id="{F6A643DF-AC6F-2581-4205-5E71F2AE833C}"/>
               </a:ext>
             </a:extLst>
           </p:cNvPr>
@@ -1450,7 +1450,7 @@
           <a:bodyPr/>
           <a:lstStyle/>
           <a:p>
-            <a:fld id="{89E12C48-1FEB-4A66-91EC-1A0A64F90D12}" type="slidenum">
+            <a:fld id="{5721EF4E-64CD-4D2B-97D2-0647ECE06FA6}" type="slidenum">
               <a:rPr lang="zh-CN" altLang="en-US" smtClean="0"/>
               <a:t>‹#›</a:t>
             </a:fld>
@@ -1461,7 +1461,7 @@
     </p:spTree>
     <p:extLst>
       <p:ext uri="{BB962C8B-B14F-4D97-AF65-F5344CB8AC3E}">
-        <p14:creationId xmlns:p14="http://schemas.microsoft.com/office/powerpoint/2010/main" val="875564294"/>
+        <p14:creationId xmlns:p14="http://schemas.microsoft.com/office/powerpoint/2010/main" val="3640718190"/>
       </p:ext>
     </p:extLst>
   </p:cSld>
@@ -1493,7 +1493,7 @@
           <p:cNvPr id="2" name="标题 1">
             <a:extLst>
               <a:ext uri="{FF2B5EF4-FFF2-40B4-BE49-F238E27FC236}">
-                <a16:creationId xmlns:a16="http://schemas.microsoft.com/office/drawing/2014/main" id="{2A248225-0DFE-BA4E-E1CD-2F33F90C4BDE}"/>
+                <a16:creationId xmlns:a16="http://schemas.microsoft.com/office/drawing/2014/main" id="{A94A05FD-1A72-1B01-585D-3582B225384D}"/>
               </a:ext>
             </a:extLst>
           </p:cNvPr>
@@ -1526,7 +1526,7 @@
           <p:cNvPr id="3" name="文本占位符 2">
             <a:extLst>
               <a:ext uri="{FF2B5EF4-FFF2-40B4-BE49-F238E27FC236}">
-                <a16:creationId xmlns:a16="http://schemas.microsoft.com/office/drawing/2014/main" id="{07E05440-295B-F35A-680B-6403871A1254}"/>
+                <a16:creationId xmlns:a16="http://schemas.microsoft.com/office/drawing/2014/main" id="{2CC798E7-520A-C41A-2E0E-C151777252ED}"/>
               </a:ext>
             </a:extLst>
           </p:cNvPr>
@@ -1597,7 +1597,7 @@
           <p:cNvPr id="4" name="内容占位符 3">
             <a:extLst>
               <a:ext uri="{FF2B5EF4-FFF2-40B4-BE49-F238E27FC236}">
-                <a16:creationId xmlns:a16="http://schemas.microsoft.com/office/drawing/2014/main" id="{F6DDB09E-EA39-86B8-F7C0-A85F34580B9E}"/>
+                <a16:creationId xmlns:a16="http://schemas.microsoft.com/office/drawing/2014/main" id="{BC8ABD74-E7BC-974F-4FFD-2780251D9FEE}"/>
               </a:ext>
             </a:extLst>
           </p:cNvPr>
@@ -1659,7 +1659,7 @@
           <p:cNvPr id="5" name="文本占位符 4">
             <a:extLst>
               <a:ext uri="{FF2B5EF4-FFF2-40B4-BE49-F238E27FC236}">
-                <a16:creationId xmlns:a16="http://schemas.microsoft.com/office/drawing/2014/main" id="{74B32F99-89F9-9BCB-2B31-1CE97D92822A}"/>
+                <a16:creationId xmlns:a16="http://schemas.microsoft.com/office/drawing/2014/main" id="{B13134CF-7BAF-BFF6-0654-4688D23B28ED}"/>
               </a:ext>
             </a:extLst>
           </p:cNvPr>
@@ -1730,7 +1730,7 @@
           <p:cNvPr id="6" name="内容占位符 5">
             <a:extLst>
               <a:ext uri="{FF2B5EF4-FFF2-40B4-BE49-F238E27FC236}">
-                <a16:creationId xmlns:a16="http://schemas.microsoft.com/office/drawing/2014/main" id="{E26578E8-02D7-046E-60AE-5AD7B219A7C3}"/>
+                <a16:creationId xmlns:a16="http://schemas.microsoft.com/office/drawing/2014/main" id="{C548312C-B519-7836-8435-FF8675729D1B}"/>
               </a:ext>
             </a:extLst>
           </p:cNvPr>
@@ -1792,7 +1792,7 @@
           <p:cNvPr id="7" name="日期占位符 6">
             <a:extLst>
               <a:ext uri="{FF2B5EF4-FFF2-40B4-BE49-F238E27FC236}">
-                <a16:creationId xmlns:a16="http://schemas.microsoft.com/office/drawing/2014/main" id="{E6C137BC-0CB7-E905-C034-2446E8F04C4A}"/>
+                <a16:creationId xmlns:a16="http://schemas.microsoft.com/office/drawing/2014/main" id="{348B4458-28C1-4F76-344F-9E4DD7FE0F7D}"/>
               </a:ext>
             </a:extLst>
           </p:cNvPr>
@@ -1808,7 +1808,7 @@
           <a:bodyPr/>
           <a:lstStyle/>
           <a:p>
-            <a:fld id="{CC35AFC4-EB0E-4382-8CDA-4E5555C653CB}" type="datetimeFigureOut">
+            <a:fld id="{507D520B-26EC-4A84-9294-D6755F4322BC}" type="datetimeFigureOut">
               <a:rPr lang="zh-CN" altLang="en-US" smtClean="0"/>
               <a:t>2024/3/10</a:t>
             </a:fld>
@@ -1821,7 +1821,7 @@
           <p:cNvPr id="8" name="页脚占位符 7">
             <a:extLst>
               <a:ext uri="{FF2B5EF4-FFF2-40B4-BE49-F238E27FC236}">
-                <a16:creationId xmlns:a16="http://schemas.microsoft.com/office/drawing/2014/main" id="{95BBB443-CA5D-E51A-3AFF-4F9D14224508}"/>
+                <a16:creationId xmlns:a16="http://schemas.microsoft.com/office/drawing/2014/main" id="{EE1AEB29-F6E4-80A6-8F13-6282946162FD}"/>
               </a:ext>
             </a:extLst>
           </p:cNvPr>
@@ -1846,7 +1846,7 @@
           <p:cNvPr id="9" name="灯片编号占位符 8">
             <a:extLst>
               <a:ext uri="{FF2B5EF4-FFF2-40B4-BE49-F238E27FC236}">
-                <a16:creationId xmlns:a16="http://schemas.microsoft.com/office/drawing/2014/main" id="{2F03EB79-A03A-70F8-BFBE-65DB4ED76E14}"/>
+                <a16:creationId xmlns:a16="http://schemas.microsoft.com/office/drawing/2014/main" id="{BFD87524-B82F-B742-BF41-4417D16AA3CA}"/>
               </a:ext>
             </a:extLst>
           </p:cNvPr>
@@ -1862,7 +1862,7 @@
           <a:bodyPr/>
           <a:lstStyle/>
           <a:p>
-            <a:fld id="{89E12C48-1FEB-4A66-91EC-1A0A64F90D12}" type="slidenum">
+            <a:fld id="{5721EF4E-64CD-4D2B-97D2-0647ECE06FA6}" type="slidenum">
               <a:rPr lang="zh-CN" altLang="en-US" smtClean="0"/>
               <a:t>‹#›</a:t>
             </a:fld>
@@ -1873,7 +1873,7 @@
     </p:spTree>
     <p:extLst>
       <p:ext uri="{BB962C8B-B14F-4D97-AF65-F5344CB8AC3E}">
-        <p14:creationId xmlns:p14="http://schemas.microsoft.com/office/powerpoint/2010/main" val="3589055233"/>
+        <p14:creationId xmlns:p14="http://schemas.microsoft.com/office/powerpoint/2010/main" val="1001674057"/>
       </p:ext>
     </p:extLst>
   </p:cSld>
@@ -1905,7 +1905,7 @@
           <p:cNvPr id="2" name="标题 1">
             <a:extLst>
               <a:ext uri="{FF2B5EF4-FFF2-40B4-BE49-F238E27FC236}">
-                <a16:creationId xmlns:a16="http://schemas.microsoft.com/office/drawing/2014/main" id="{1D2829B2-D39A-AC98-DED6-761DA9AAB12D}"/>
+                <a16:creationId xmlns:a16="http://schemas.microsoft.com/office/drawing/2014/main" id="{340B4852-C772-286B-8E8D-45B9117A63FF}"/>
               </a:ext>
             </a:extLst>
           </p:cNvPr>
@@ -1933,7 +1933,7 @@
           <p:cNvPr id="3" name="日期占位符 2">
             <a:extLst>
               <a:ext uri="{FF2B5EF4-FFF2-40B4-BE49-F238E27FC236}">
-                <a16:creationId xmlns:a16="http://schemas.microsoft.com/office/drawing/2014/main" id="{2C3630CD-EC1F-93D2-A4C5-6461E2B5BF98}"/>
+                <a16:creationId xmlns:a16="http://schemas.microsoft.com/office/drawing/2014/main" id="{D065602E-3E45-CD16-A15E-952DC02A8505}"/>
               </a:ext>
             </a:extLst>
           </p:cNvPr>
@@ -1949,7 +1949,7 @@
           <a:bodyPr/>
           <a:lstStyle/>
           <a:p>
-            <a:fld id="{CC35AFC4-EB0E-4382-8CDA-4E5555C653CB}" type="datetimeFigureOut">
+            <a:fld id="{507D520B-26EC-4A84-9294-D6755F4322BC}" type="datetimeFigureOut">
               <a:rPr lang="zh-CN" altLang="en-US" smtClean="0"/>
               <a:t>2024/3/10</a:t>
             </a:fld>
@@ -1962,7 +1962,7 @@
           <p:cNvPr id="4" name="页脚占位符 3">
             <a:extLst>
               <a:ext uri="{FF2B5EF4-FFF2-40B4-BE49-F238E27FC236}">
-                <a16:creationId xmlns:a16="http://schemas.microsoft.com/office/drawing/2014/main" id="{2F2616AB-054D-F34B-010F-1B27968D3483}"/>
+                <a16:creationId xmlns:a16="http://schemas.microsoft.com/office/drawing/2014/main" id="{4B707542-C1A9-6F53-7520-2F81FC265CAF}"/>
               </a:ext>
             </a:extLst>
           </p:cNvPr>
@@ -1987,7 +1987,7 @@
           <p:cNvPr id="5" name="灯片编号占位符 4">
             <a:extLst>
               <a:ext uri="{FF2B5EF4-FFF2-40B4-BE49-F238E27FC236}">
-                <a16:creationId xmlns:a16="http://schemas.microsoft.com/office/drawing/2014/main" id="{0D497819-6196-08CF-A4D0-9CBA6F079A11}"/>
+                <a16:creationId xmlns:a16="http://schemas.microsoft.com/office/drawing/2014/main" id="{E498F2A7-7BD5-C79E-8364-881B398D2833}"/>
               </a:ext>
             </a:extLst>
           </p:cNvPr>
@@ -2003,7 +2003,7 @@
           <a:bodyPr/>
           <a:lstStyle/>
           <a:p>
-            <a:fld id="{89E12C48-1FEB-4A66-91EC-1A0A64F90D12}" type="slidenum">
+            <a:fld id="{5721EF4E-64CD-4D2B-97D2-0647ECE06FA6}" type="slidenum">
               <a:rPr lang="zh-CN" altLang="en-US" smtClean="0"/>
               <a:t>‹#›</a:t>
             </a:fld>
@@ -2014,7 +2014,7 @@
     </p:spTree>
     <p:extLst>
       <p:ext uri="{BB962C8B-B14F-4D97-AF65-F5344CB8AC3E}">
-        <p14:creationId xmlns:p14="http://schemas.microsoft.com/office/powerpoint/2010/main" val="1448193691"/>
+        <p14:creationId xmlns:p14="http://schemas.microsoft.com/office/powerpoint/2010/main" val="271436871"/>
       </p:ext>
     </p:extLst>
   </p:cSld>
@@ -2046,7 +2046,7 @@
           <p:cNvPr id="2" name="日期占位符 1">
             <a:extLst>
               <a:ext uri="{FF2B5EF4-FFF2-40B4-BE49-F238E27FC236}">
-                <a16:creationId xmlns:a16="http://schemas.microsoft.com/office/drawing/2014/main" id="{55336AEE-E796-8DAB-1395-2238206236BE}"/>
+                <a16:creationId xmlns:a16="http://schemas.microsoft.com/office/drawing/2014/main" id="{49152C55-3546-8D6F-916F-1DDE2D85E489}"/>
               </a:ext>
             </a:extLst>
           </p:cNvPr>
@@ -2062,7 +2062,7 @@
           <a:bodyPr/>
           <a:lstStyle/>
           <a:p>
-            <a:fld id="{CC35AFC4-EB0E-4382-8CDA-4E5555C653CB}" type="datetimeFigureOut">
+            <a:fld id="{507D520B-26EC-4A84-9294-D6755F4322BC}" type="datetimeFigureOut">
               <a:rPr lang="zh-CN" altLang="en-US" smtClean="0"/>
               <a:t>2024/3/10</a:t>
             </a:fld>
@@ -2075,7 +2075,7 @@
           <p:cNvPr id="3" name="页脚占位符 2">
             <a:extLst>
               <a:ext uri="{FF2B5EF4-FFF2-40B4-BE49-F238E27FC236}">
-                <a16:creationId xmlns:a16="http://schemas.microsoft.com/office/drawing/2014/main" id="{A67C1636-AFB2-E887-6E0C-13331BB8E848}"/>
+                <a16:creationId xmlns:a16="http://schemas.microsoft.com/office/drawing/2014/main" id="{427313A8-2786-7FEA-8579-FB98F2301A1F}"/>
               </a:ext>
             </a:extLst>
           </p:cNvPr>
@@ -2100,7 +2100,7 @@
           <p:cNvPr id="4" name="灯片编号占位符 3">
             <a:extLst>
               <a:ext uri="{FF2B5EF4-FFF2-40B4-BE49-F238E27FC236}">
-                <a16:creationId xmlns:a16="http://schemas.microsoft.com/office/drawing/2014/main" id="{B4EB9BAE-CCD7-D83F-2948-55E7B7A69CD4}"/>
+                <a16:creationId xmlns:a16="http://schemas.microsoft.com/office/drawing/2014/main" id="{29E6C99F-DFD2-6024-BC77-728F01AFF611}"/>
               </a:ext>
             </a:extLst>
           </p:cNvPr>
@@ -2116,7 +2116,7 @@
           <a:bodyPr/>
           <a:lstStyle/>
           <a:p>
-            <a:fld id="{89E12C48-1FEB-4A66-91EC-1A0A64F90D12}" type="slidenum">
+            <a:fld id="{5721EF4E-64CD-4D2B-97D2-0647ECE06FA6}" type="slidenum">
               <a:rPr lang="zh-CN" altLang="en-US" smtClean="0"/>
               <a:t>‹#›</a:t>
             </a:fld>
@@ -2127,7 +2127,7 @@
     </p:spTree>
     <p:extLst>
       <p:ext uri="{BB962C8B-B14F-4D97-AF65-F5344CB8AC3E}">
-        <p14:creationId xmlns:p14="http://schemas.microsoft.com/office/powerpoint/2010/main" val="1934629206"/>
+        <p14:creationId xmlns:p14="http://schemas.microsoft.com/office/powerpoint/2010/main" val="1468155262"/>
       </p:ext>
     </p:extLst>
   </p:cSld>
@@ -2159,7 +2159,7 @@
           <p:cNvPr id="2" name="标题 1">
             <a:extLst>
               <a:ext uri="{FF2B5EF4-FFF2-40B4-BE49-F238E27FC236}">
-                <a16:creationId xmlns:a16="http://schemas.microsoft.com/office/drawing/2014/main" id="{6208B5F4-8747-1535-2716-7092AEF66761}"/>
+                <a16:creationId xmlns:a16="http://schemas.microsoft.com/office/drawing/2014/main" id="{18408624-CF1F-DA44-8843-6F3AF6592148}"/>
               </a:ext>
             </a:extLst>
           </p:cNvPr>
@@ -2196,7 +2196,7 @@
           <p:cNvPr id="3" name="内容占位符 2">
             <a:extLst>
               <a:ext uri="{FF2B5EF4-FFF2-40B4-BE49-F238E27FC236}">
-                <a16:creationId xmlns:a16="http://schemas.microsoft.com/office/drawing/2014/main" id="{FD5E1546-3136-F565-53E8-420598581D01}"/>
+                <a16:creationId xmlns:a16="http://schemas.microsoft.com/office/drawing/2014/main" id="{7A805E35-91D3-6D09-4D3D-EE2258D340F0}"/>
               </a:ext>
             </a:extLst>
           </p:cNvPr>
@@ -2286,7 +2286,7 @@
           <p:cNvPr id="4" name="文本占位符 3">
             <a:extLst>
               <a:ext uri="{FF2B5EF4-FFF2-40B4-BE49-F238E27FC236}">
-                <a16:creationId xmlns:a16="http://schemas.microsoft.com/office/drawing/2014/main" id="{E6998362-82D7-F69D-772C-6B820901321B}"/>
+                <a16:creationId xmlns:a16="http://schemas.microsoft.com/office/drawing/2014/main" id="{2C86B11C-909F-17D4-E5C0-4422B6DEA4C2}"/>
               </a:ext>
             </a:extLst>
           </p:cNvPr>
@@ -2357,7 +2357,7 @@
           <p:cNvPr id="5" name="日期占位符 4">
             <a:extLst>
               <a:ext uri="{FF2B5EF4-FFF2-40B4-BE49-F238E27FC236}">
-                <a16:creationId xmlns:a16="http://schemas.microsoft.com/office/drawing/2014/main" id="{5520DA13-3332-23C3-4948-D621CC72083F}"/>
+                <a16:creationId xmlns:a16="http://schemas.microsoft.com/office/drawing/2014/main" id="{065D0841-769E-5D64-7CA5-C8AFB4FAA129}"/>
               </a:ext>
             </a:extLst>
           </p:cNvPr>
@@ -2373,7 +2373,7 @@
           <a:bodyPr/>
           <a:lstStyle/>
           <a:p>
-            <a:fld id="{CC35AFC4-EB0E-4382-8CDA-4E5555C653CB}" type="datetimeFigureOut">
+            <a:fld id="{507D520B-26EC-4A84-9294-D6755F4322BC}" type="datetimeFigureOut">
               <a:rPr lang="zh-CN" altLang="en-US" smtClean="0"/>
               <a:t>2024/3/10</a:t>
             </a:fld>
@@ -2386,7 +2386,7 @@
           <p:cNvPr id="6" name="页脚占位符 5">
             <a:extLst>
               <a:ext uri="{FF2B5EF4-FFF2-40B4-BE49-F238E27FC236}">
-                <a16:creationId xmlns:a16="http://schemas.microsoft.com/office/drawing/2014/main" id="{A15388A5-A1B3-D7B4-9F44-F36EC4CB1369}"/>
+                <a16:creationId xmlns:a16="http://schemas.microsoft.com/office/drawing/2014/main" id="{2A0A8031-8F89-9125-8637-CDDD31CEDCCA}"/>
               </a:ext>
             </a:extLst>
           </p:cNvPr>
@@ -2411,7 +2411,7 @@
           <p:cNvPr id="7" name="灯片编号占位符 6">
             <a:extLst>
               <a:ext uri="{FF2B5EF4-FFF2-40B4-BE49-F238E27FC236}">
-                <a16:creationId xmlns:a16="http://schemas.microsoft.com/office/drawing/2014/main" id="{D58E29C9-2EF1-1D45-D353-B129508C820A}"/>
+                <a16:creationId xmlns:a16="http://schemas.microsoft.com/office/drawing/2014/main" id="{C0C96DB6-D357-369B-43C0-11D0A2AF0EFF}"/>
               </a:ext>
             </a:extLst>
           </p:cNvPr>
@@ -2427,7 +2427,7 @@
           <a:bodyPr/>
           <a:lstStyle/>
           <a:p>
-            <a:fld id="{89E12C48-1FEB-4A66-91EC-1A0A64F90D12}" type="slidenum">
+            <a:fld id="{5721EF4E-64CD-4D2B-97D2-0647ECE06FA6}" type="slidenum">
               <a:rPr lang="zh-CN" altLang="en-US" smtClean="0"/>
               <a:t>‹#›</a:t>
             </a:fld>
@@ -2438,7 +2438,7 @@
     </p:spTree>
     <p:extLst>
       <p:ext uri="{BB962C8B-B14F-4D97-AF65-F5344CB8AC3E}">
-        <p14:creationId xmlns:p14="http://schemas.microsoft.com/office/powerpoint/2010/main" val="1114519178"/>
+        <p14:creationId xmlns:p14="http://schemas.microsoft.com/office/powerpoint/2010/main" val="383483869"/>
       </p:ext>
     </p:extLst>
   </p:cSld>
@@ -2470,7 +2470,7 @@
           <p:cNvPr id="2" name="标题 1">
             <a:extLst>
               <a:ext uri="{FF2B5EF4-FFF2-40B4-BE49-F238E27FC236}">
-                <a16:creationId xmlns:a16="http://schemas.microsoft.com/office/drawing/2014/main" id="{AB16B52C-F197-B290-510C-E158FF17C03F}"/>
+                <a16:creationId xmlns:a16="http://schemas.microsoft.com/office/drawing/2014/main" id="{78AE7B19-6A2A-1670-BF6B-07652AB76CEF}"/>
               </a:ext>
             </a:extLst>
           </p:cNvPr>
@@ -2507,7 +2507,7 @@
           <p:cNvPr id="3" name="图片占位符 2">
             <a:extLst>
               <a:ext uri="{FF2B5EF4-FFF2-40B4-BE49-F238E27FC236}">
-                <a16:creationId xmlns:a16="http://schemas.microsoft.com/office/drawing/2014/main" id="{AAFFCFBF-3ADA-493D-A9D8-50C287F61BB0}"/>
+                <a16:creationId xmlns:a16="http://schemas.microsoft.com/office/drawing/2014/main" id="{282FA6A2-3F48-7028-6C75-BB7CF30F7CB6}"/>
               </a:ext>
             </a:extLst>
           </p:cNvPr>
@@ -2574,7 +2574,7 @@
           <p:cNvPr id="4" name="文本占位符 3">
             <a:extLst>
               <a:ext uri="{FF2B5EF4-FFF2-40B4-BE49-F238E27FC236}">
-                <a16:creationId xmlns:a16="http://schemas.microsoft.com/office/drawing/2014/main" id="{D1A72F2B-0BD6-F54F-7015-35EA9BDD6E3B}"/>
+                <a16:creationId xmlns:a16="http://schemas.microsoft.com/office/drawing/2014/main" id="{4348EE79-040D-28B6-E8D4-7F8A658122CF}"/>
               </a:ext>
             </a:extLst>
           </p:cNvPr>
@@ -2645,7 +2645,7 @@
           <p:cNvPr id="5" name="日期占位符 4">
             <a:extLst>
               <a:ext uri="{FF2B5EF4-FFF2-40B4-BE49-F238E27FC236}">
-                <a16:creationId xmlns:a16="http://schemas.microsoft.com/office/drawing/2014/main" id="{7152CCB0-7863-6372-A0BD-6A28C56DB180}"/>
+                <a16:creationId xmlns:a16="http://schemas.microsoft.com/office/drawing/2014/main" id="{8C509785-E3C4-D1A5-0E54-E5EF0C5C582E}"/>
               </a:ext>
             </a:extLst>
           </p:cNvPr>
@@ -2661,7 +2661,7 @@
           <a:bodyPr/>
           <a:lstStyle/>
           <a:p>
-            <a:fld id="{CC35AFC4-EB0E-4382-8CDA-4E5555C653CB}" type="datetimeFigureOut">
+            <a:fld id="{507D520B-26EC-4A84-9294-D6755F4322BC}" type="datetimeFigureOut">
               <a:rPr lang="zh-CN" altLang="en-US" smtClean="0"/>
               <a:t>2024/3/10</a:t>
             </a:fld>
@@ -2674,7 +2674,7 @@
           <p:cNvPr id="6" name="页脚占位符 5">
             <a:extLst>
               <a:ext uri="{FF2B5EF4-FFF2-40B4-BE49-F238E27FC236}">
-                <a16:creationId xmlns:a16="http://schemas.microsoft.com/office/drawing/2014/main" id="{B07194D6-7C92-41C5-541F-6EE7816B435C}"/>
+                <a16:creationId xmlns:a16="http://schemas.microsoft.com/office/drawing/2014/main" id="{870B1770-C64B-DADB-A53B-679944FFC675}"/>
               </a:ext>
             </a:extLst>
           </p:cNvPr>
@@ -2699,7 +2699,7 @@
           <p:cNvPr id="7" name="灯片编号占位符 6">
             <a:extLst>
               <a:ext uri="{FF2B5EF4-FFF2-40B4-BE49-F238E27FC236}">
-                <a16:creationId xmlns:a16="http://schemas.microsoft.com/office/drawing/2014/main" id="{94F99573-03C3-261D-F2DB-D92B760B4080}"/>
+                <a16:creationId xmlns:a16="http://schemas.microsoft.com/office/drawing/2014/main" id="{5C54E851-2CEE-F434-1637-74F787043573}"/>
               </a:ext>
             </a:extLst>
           </p:cNvPr>
@@ -2715,7 +2715,7 @@
           <a:bodyPr/>
           <a:lstStyle/>
           <a:p>
-            <a:fld id="{89E12C48-1FEB-4A66-91EC-1A0A64F90D12}" type="slidenum">
+            <a:fld id="{5721EF4E-64CD-4D2B-97D2-0647ECE06FA6}" type="slidenum">
               <a:rPr lang="zh-CN" altLang="en-US" smtClean="0"/>
               <a:t>‹#›</a:t>
             </a:fld>
@@ -2726,7 +2726,7 @@
     </p:spTree>
     <p:extLst>
       <p:ext uri="{BB962C8B-B14F-4D97-AF65-F5344CB8AC3E}">
-        <p14:creationId xmlns:p14="http://schemas.microsoft.com/office/powerpoint/2010/main" val="2765871595"/>
+        <p14:creationId xmlns:p14="http://schemas.microsoft.com/office/powerpoint/2010/main" val="1289821855"/>
       </p:ext>
     </p:extLst>
   </p:cSld>
@@ -2763,7 +2763,7 @@
           <p:cNvPr id="2" name="标题占位符 1">
             <a:extLst>
               <a:ext uri="{FF2B5EF4-FFF2-40B4-BE49-F238E27FC236}">
-                <a16:creationId xmlns:a16="http://schemas.microsoft.com/office/drawing/2014/main" id="{BD75F979-DE20-4BF5-D47F-DC56AB588AE0}"/>
+                <a16:creationId xmlns:a16="http://schemas.microsoft.com/office/drawing/2014/main" id="{088DA14A-AA97-40D3-612B-9A7CD4FFD8DF}"/>
               </a:ext>
             </a:extLst>
           </p:cNvPr>
@@ -2801,7 +2801,7 @@
           <p:cNvPr id="3" name="文本占位符 2">
             <a:extLst>
               <a:ext uri="{FF2B5EF4-FFF2-40B4-BE49-F238E27FC236}">
-                <a16:creationId xmlns:a16="http://schemas.microsoft.com/office/drawing/2014/main" id="{B29DF82C-A065-07A6-141A-34D941A0D12C}"/>
+                <a16:creationId xmlns:a16="http://schemas.microsoft.com/office/drawing/2014/main" id="{15DF9156-86EF-E94D-EB98-A762AC8CC66E}"/>
               </a:ext>
             </a:extLst>
           </p:cNvPr>
@@ -2868,7 +2868,7 @@
           <p:cNvPr id="4" name="日期占位符 3">
             <a:extLst>
               <a:ext uri="{FF2B5EF4-FFF2-40B4-BE49-F238E27FC236}">
-                <a16:creationId xmlns:a16="http://schemas.microsoft.com/office/drawing/2014/main" id="{C5CCC8D8-814C-04D5-7269-7747E9CAAB6F}"/>
+                <a16:creationId xmlns:a16="http://schemas.microsoft.com/office/drawing/2014/main" id="{344D2643-C5F4-D67F-1DAF-12FA9B555480}"/>
               </a:ext>
             </a:extLst>
           </p:cNvPr>
@@ -2902,7 +2902,7 @@
             </a:lvl1pPr>
           </a:lstStyle>
           <a:p>
-            <a:fld id="{CC35AFC4-EB0E-4382-8CDA-4E5555C653CB}" type="datetimeFigureOut">
+            <a:fld id="{507D520B-26EC-4A84-9294-D6755F4322BC}" type="datetimeFigureOut">
               <a:rPr lang="zh-CN" altLang="en-US" smtClean="0"/>
               <a:t>2024/3/10</a:t>
             </a:fld>
@@ -2915,7 +2915,7 @@
           <p:cNvPr id="5" name="页脚占位符 4">
             <a:extLst>
               <a:ext uri="{FF2B5EF4-FFF2-40B4-BE49-F238E27FC236}">
-                <a16:creationId xmlns:a16="http://schemas.microsoft.com/office/drawing/2014/main" id="{789FFBEB-E879-DE60-5CDA-A67736ECA9A9}"/>
+                <a16:creationId xmlns:a16="http://schemas.microsoft.com/office/drawing/2014/main" id="{D2707299-22D0-E772-96B4-D50EF6C97486}"/>
               </a:ext>
             </a:extLst>
           </p:cNvPr>
@@ -2958,7 +2958,7 @@
           <p:cNvPr id="6" name="灯片编号占位符 5">
             <a:extLst>
               <a:ext uri="{FF2B5EF4-FFF2-40B4-BE49-F238E27FC236}">
-                <a16:creationId xmlns:a16="http://schemas.microsoft.com/office/drawing/2014/main" id="{94073218-6096-A64A-3CE0-9FDBA7C4CF2A}"/>
+                <a16:creationId xmlns:a16="http://schemas.microsoft.com/office/drawing/2014/main" id="{AC298CC1-7C4C-4697-E2AD-6671D1C623FA}"/>
               </a:ext>
             </a:extLst>
           </p:cNvPr>
@@ -2992,7 +2992,7 @@
             </a:lvl1pPr>
           </a:lstStyle>
           <a:p>
-            <a:fld id="{89E12C48-1FEB-4A66-91EC-1A0A64F90D12}" type="slidenum">
+            <a:fld id="{5721EF4E-64CD-4D2B-97D2-0647ECE06FA6}" type="slidenum">
               <a:rPr lang="zh-CN" altLang="en-US" smtClean="0"/>
               <a:t>‹#›</a:t>
             </a:fld>
@@ -3003,7 +3003,7 @@
     </p:spTree>
     <p:extLst>
       <p:ext uri="{BB962C8B-B14F-4D97-AF65-F5344CB8AC3E}">
-        <p14:creationId xmlns:p14="http://schemas.microsoft.com/office/powerpoint/2010/main" val="2329714092"/>
+        <p14:creationId xmlns:p14="http://schemas.microsoft.com/office/powerpoint/2010/main" val="4193273572"/>
       </p:ext>
     </p:extLst>
   </p:cSld>
